--- a/MachineLearning/RandomForest/RandomForest.pptx
+++ b/MachineLearning/RandomForest/RandomForest.pptx
@@ -4304,11 +4304,7 @@
           <a:p>
             <a:r>
               <a:rPr lang="en-IN" dirty="0" smtClean="0"/>
-              <a:t>Ensemble </a:t>
-            </a:r>
-            <a:r>
-              <a:rPr lang="en-IN" smtClean="0"/>
-              <a:t>learning – Bagging </a:t>
+              <a:t>Ensemble learning – Bagging </a:t>
             </a:r>
             <a:endParaRPr lang="en-IN" dirty="0" smtClean="0"/>
           </a:p>

--- a/MachineLearning/RandomForest/RandomForest.pptx
+++ b/MachineLearning/RandomForest/RandomForest.pptx
@@ -5,7 +5,7 @@
     <p:sldMasterId id="2147483648" r:id="rId1"/>
   </p:sldMasterIdLst>
   <p:notesMasterIdLst>
-    <p:notesMasterId r:id="rId12"/>
+    <p:notesMasterId r:id="rId13"/>
   </p:notesMasterIdLst>
   <p:sldIdLst>
     <p:sldId id="256" r:id="rId2"/>
@@ -14,10 +14,11 @@
     <p:sldId id="271" r:id="rId5"/>
     <p:sldId id="272" r:id="rId6"/>
     <p:sldId id="273" r:id="rId7"/>
-    <p:sldId id="276" r:id="rId8"/>
-    <p:sldId id="274" r:id="rId9"/>
-    <p:sldId id="275" r:id="rId10"/>
-    <p:sldId id="269" r:id="rId11"/>
+    <p:sldId id="277" r:id="rId8"/>
+    <p:sldId id="276" r:id="rId9"/>
+    <p:sldId id="274" r:id="rId10"/>
+    <p:sldId id="275" r:id="rId11"/>
+    <p:sldId id="269" r:id="rId12"/>
   </p:sldIdLst>
   <p:sldSz cx="9144000" cy="6858000" type="screen4x3"/>
   <p:notesSz cx="6858000" cy="9144000"/>
@@ -3479,11 +3480,7 @@
           <a:p>
             <a:r>
               <a:rPr lang="en-IN" dirty="0" smtClean="0"/>
-              <a:t>Centre for Excellence in Basic </a:t>
-            </a:r>
-            <a:r>
-              <a:rPr lang="en-IN" dirty="0" smtClean="0"/>
-              <a:t>Sciences</a:t>
+              <a:t>Centre for Excellence in Basic Sciences</a:t>
             </a:r>
             <a:endParaRPr lang="en-US" dirty="0"/>
           </a:p>
@@ -3528,6 +3525,90 @@
             <a:spLocks noGrp="1"/>
           </p:cNvSpPr>
           <p:nvPr>
+            <p:ph type="title"/>
+          </p:nvPr>
+        </p:nvSpPr>
+        <p:spPr/>
+        <p:txBody>
+          <a:bodyPr/>
+          <a:lstStyle/>
+          <a:p>
+            <a:r>
+              <a:rPr lang="en-US" dirty="0" smtClean="0"/>
+              <a:t>Disadvantages</a:t>
+            </a:r>
+            <a:endParaRPr lang="en-US" dirty="0"/>
+          </a:p>
+        </p:txBody>
+      </p:sp>
+      <p:sp>
+        <p:nvSpPr>
+          <p:cNvPr id="4" name="Content Placeholder 3"/>
+          <p:cNvSpPr>
+            <a:spLocks noGrp="1"/>
+          </p:cNvSpPr>
+          <p:nvPr>
+            <p:ph idx="1"/>
+          </p:nvPr>
+        </p:nvSpPr>
+        <p:spPr/>
+        <p:txBody>
+          <a:bodyPr/>
+          <a:lstStyle/>
+          <a:p>
+            <a:r>
+              <a:rPr lang="en-US" dirty="0" smtClean="0"/>
+              <a:t>Computationally expensive</a:t>
+            </a:r>
+          </a:p>
+          <a:p>
+            <a:r>
+              <a:rPr lang="en-IN" dirty="0" smtClean="0"/>
+              <a:t>Less interpretable than decision tree</a:t>
+            </a:r>
+            <a:endParaRPr lang="en-US" dirty="0"/>
+          </a:p>
+        </p:txBody>
+      </p:sp>
+    </p:spTree>
+  </p:cSld>
+  <p:clrMapOvr>
+    <a:masterClrMapping/>
+  </p:clrMapOvr>
+  <p:timing>
+    <p:tnLst>
+      <p:par>
+        <p:cTn id="1" dur="indefinite" restart="never" nodeType="tmRoot"/>
+      </p:par>
+    </p:tnLst>
+  </p:timing>
+</p:sld>
+</file>
+
+<file path=ppt/slides/slide11.xml><?xml version="1.0" encoding="utf-8"?>
+<p:sld xmlns:a="http://schemas.openxmlformats.org/drawingml/2006/main" xmlns:r="http://schemas.openxmlformats.org/officeDocument/2006/relationships" xmlns:p="http://schemas.openxmlformats.org/presentationml/2006/main">
+  <p:cSld>
+    <p:spTree>
+      <p:nvGrpSpPr>
+        <p:cNvPr id="1" name=""/>
+        <p:cNvGrpSpPr/>
+        <p:nvPr/>
+      </p:nvGrpSpPr>
+      <p:grpSpPr>
+        <a:xfrm>
+          <a:off x="0" y="0"/>
+          <a:ext cx="0" cy="0"/>
+          <a:chOff x="0" y="0"/>
+          <a:chExt cx="0" cy="0"/>
+        </a:xfrm>
+      </p:grpSpPr>
+      <p:sp>
+        <p:nvSpPr>
+          <p:cNvPr id="2" name="Title 1"/>
+          <p:cNvSpPr>
+            <a:spLocks noGrp="1"/>
+          </p:cNvSpPr>
+          <p:nvPr>
             <p:ph type="ctrTitle"/>
           </p:nvPr>
         </p:nvSpPr>
@@ -3641,11 +3722,7 @@
           <a:p>
             <a:r>
               <a:rPr lang="en-US" dirty="0" smtClean="0"/>
-              <a:t>Supervised </a:t>
-            </a:r>
-            <a:r>
-              <a:rPr lang="en-US" dirty="0" smtClean="0"/>
-              <a:t>learning</a:t>
+              <a:t>Supervised learning</a:t>
             </a:r>
           </a:p>
           <a:p>
@@ -3665,14 +3742,12 @@
               <a:rPr lang="en-US" dirty="0" smtClean="0"/>
               <a:t>Advantages </a:t>
             </a:r>
-            <a:endParaRPr lang="en-US" dirty="0" smtClean="0"/>
           </a:p>
           <a:p>
             <a:r>
               <a:rPr lang="en-US" dirty="0" smtClean="0"/>
               <a:t>Disadvantages</a:t>
             </a:r>
-            <a:endParaRPr lang="en-US" dirty="0" smtClean="0"/>
           </a:p>
           <a:p>
             <a:endParaRPr lang="en-US" dirty="0"/>
@@ -4298,29 +4373,18 @@
         <p:spPr/>
         <p:txBody>
           <a:bodyPr>
-            <a:normAutofit lnSpcReduction="10000"/>
+            <a:normAutofit fontScale="92500" lnSpcReduction="20000"/>
           </a:bodyPr>
           <a:lstStyle/>
           <a:p>
             <a:r>
               <a:rPr lang="en-IN" dirty="0" smtClean="0"/>
-              <a:t>Ensemble learning – Bagging </a:t>
+              <a:t>Subset of dataset </a:t>
             </a:r>
             <a:endParaRPr lang="en-IN" dirty="0" smtClean="0"/>
           </a:p>
           <a:p>
-            <a:r>
-              <a:rPr lang="en-IN" dirty="0" smtClean="0"/>
-              <a:t>Number of decision trees</a:t>
-            </a:r>
-          </a:p>
-          <a:p>
-            <a:r>
-              <a:rPr lang="en-IN" dirty="0" smtClean="0"/>
-              <a:t>Subset of dataset</a:t>
-            </a:r>
-          </a:p>
-          <a:p>
+            <a:pPr lvl="1"/>
             <a:r>
               <a:rPr lang="en-IN" dirty="0" smtClean="0"/>
               <a:t>Bootstrapped </a:t>
@@ -4334,18 +4398,57 @@
           <a:p>
             <a:r>
               <a:rPr lang="en-IN" dirty="0" smtClean="0"/>
+              <a:t>Subset of features</a:t>
+            </a:r>
+          </a:p>
+          <a:p>
+            <a:pPr lvl="1"/>
+            <a:r>
+              <a:rPr lang="en-IN" dirty="0" smtClean="0"/>
+              <a:t>Bagging approach </a:t>
+            </a:r>
+          </a:p>
+          <a:p>
+            <a:pPr lvl="1"/>
+            <a:r>
+              <a:rPr lang="en-IN" dirty="0" smtClean="0"/>
               <a:t>Ensemble </a:t>
             </a:r>
             <a:r>
               <a:rPr lang="en-IN" dirty="0" smtClean="0"/>
-              <a:t>– Improve performance</a:t>
-            </a:r>
-          </a:p>
-          <a:p>
+              <a:t>learning</a:t>
+            </a:r>
+          </a:p>
+          <a:p>
+            <a:pPr lvl="1"/>
             <a:r>
               <a:rPr lang="en-IN" dirty="0" smtClean="0"/>
-              <a:t>More number of decision trees </a:t>
-            </a:r>
+              <a:t>Improve performance</a:t>
+            </a:r>
+            <a:endParaRPr lang="en-IN" dirty="0" smtClean="0"/>
+          </a:p>
+          <a:p>
+            <a:r>
+              <a:rPr lang="en-IN" dirty="0" smtClean="0"/>
+              <a:t>Number </a:t>
+            </a:r>
+            <a:r>
+              <a:rPr lang="en-IN" dirty="0" smtClean="0"/>
+              <a:t>of decision </a:t>
+            </a:r>
+            <a:r>
+              <a:rPr lang="en-IN" dirty="0" smtClean="0"/>
+              <a:t>trees</a:t>
+            </a:r>
+            <a:endParaRPr lang="en-IN" dirty="0" smtClean="0"/>
+          </a:p>
+          <a:p>
+            <a:pPr lvl="1"/>
+            <a:r>
+              <a:rPr lang="en-IN" dirty="0" smtClean="0"/>
+              <a:t>More number</a:t>
+            </a:r>
+            <a:endParaRPr lang="en-IN" dirty="0" smtClean="0"/>
           </a:p>
           <a:p>
             <a:pPr lvl="1"/>
@@ -4421,101 +4524,143 @@
           <a:p>
             <a:r>
               <a:rPr lang="en-US" dirty="0" smtClean="0"/>
-              <a:t>Random Forest</a:t>
+              <a:t>Random </a:t>
+            </a:r>
+            <a:r>
+              <a:rPr lang="en-US" dirty="0" smtClean="0"/>
+              <a:t>Forest Algorithm</a:t>
             </a:r>
             <a:endParaRPr lang="en-US" dirty="0"/>
           </a:p>
         </p:txBody>
       </p:sp>
-      <p:pic>
-        <p:nvPicPr>
-          <p:cNvPr id="6" name="Picture 5" descr="RandomForest.png"/>
-          <p:cNvPicPr>
-            <a:picLocks noChangeAspect="1"/>
-          </p:cNvPicPr>
-          <p:nvPr/>
-        </p:nvPicPr>
-        <p:blipFill>
-          <a:blip r:embed="rId2"/>
-          <a:stretch>
-            <a:fillRect/>
-          </a:stretch>
-        </p:blipFill>
-        <p:spPr>
-          <a:xfrm>
-            <a:off x="1714500" y="1828800"/>
-            <a:ext cx="5715000" cy="3810000"/>
-          </a:xfrm>
-          <a:prstGeom prst="rect">
-            <a:avLst/>
-          </a:prstGeom>
-        </p:spPr>
-      </p:pic>
-      <p:sp>
-        <p:nvSpPr>
-          <p:cNvPr id="7" name="Text Box 10"/>
-          <p:cNvSpPr txBox="1">
-            <a:spLocks noChangeArrowheads="1"/>
-          </p:cNvSpPr>
-          <p:nvPr/>
-        </p:nvSpPr>
-        <p:spPr bwMode="auto">
-          <a:xfrm rot="10800000" flipV="1">
-            <a:off x="0" y="6519446"/>
-            <a:ext cx="1828800" cy="338554"/>
-          </a:xfrm>
-          <a:prstGeom prst="rect">
-            <a:avLst/>
-          </a:prstGeom>
-          <a:noFill/>
-          <a:ln w="9525">
-            <a:noFill/>
-            <a:miter lim="800000"/>
-            <a:headEnd/>
-            <a:tailEnd/>
-          </a:ln>
-          <a:effectLst/>
-        </p:spPr>
-        <p:txBody>
-          <a:bodyPr wrap="square">
-            <a:spAutoFit/>
+      <p:sp>
+        <p:nvSpPr>
+          <p:cNvPr id="3" name="Content Placeholder 2"/>
+          <p:cNvSpPr>
+            <a:spLocks noGrp="1"/>
+          </p:cNvSpPr>
+          <p:nvPr>
+            <p:ph idx="1"/>
+          </p:nvPr>
+        </p:nvSpPr>
+        <p:spPr/>
+        <p:txBody>
+          <a:bodyPr>
+            <a:normAutofit/>
           </a:bodyPr>
           <a:lstStyle/>
           <a:p>
-            <a:pPr>
-              <a:spcBef>
-                <a:spcPct val="50000"/>
-              </a:spcBef>
+            <a:pPr marL="514350" indent="-514350">
+              <a:buFont typeface="+mj-lt"/>
+              <a:buAutoNum type="arabicPeriod"/>
             </a:pPr>
             <a:r>
-              <a:rPr lang="en-US" sz="1600" b="1" dirty="0">
-                <a:solidFill>
-                  <a:srgbClr val="FF0000"/>
-                </a:solidFill>
-              </a:rPr>
-              <a:t>Image </a:t>
-            </a:r>
-            <a:r>
-              <a:rPr lang="en-US" sz="1600" b="1" dirty="0" err="1" smtClean="0">
-                <a:solidFill>
-                  <a:srgbClr val="FF0000"/>
-                </a:solidFill>
-              </a:rPr>
-              <a:t>ack</a:t>
-            </a:r>
-            <a:r>
-              <a:rPr lang="en-US" sz="1600" b="1" dirty="0" smtClean="0">
-                <a:solidFill>
-                  <a:srgbClr val="FF0000"/>
-                </a:solidFill>
-              </a:rPr>
-              <a:t> – Google</a:t>
-            </a:r>
-            <a:endParaRPr lang="en-US" sz="1600" b="1" dirty="0">
-              <a:solidFill>
-                <a:srgbClr val="FF0000"/>
-              </a:solidFill>
-            </a:endParaRPr>
+              <a:rPr lang="en-IN" dirty="0" smtClean="0"/>
+              <a:t>Create </a:t>
+            </a:r>
+            <a:r>
+              <a:rPr lang="en-IN" dirty="0" smtClean="0"/>
+              <a:t>bootstrapped </a:t>
+            </a:r>
+            <a:r>
+              <a:rPr lang="en-IN" dirty="0" smtClean="0"/>
+              <a:t>dataset</a:t>
+            </a:r>
+            <a:endParaRPr lang="en-IN" dirty="0" smtClean="0"/>
+          </a:p>
+          <a:p>
+            <a:pPr marL="514350" indent="-514350">
+              <a:buFont typeface="+mj-lt"/>
+              <a:buAutoNum type="arabicPeriod"/>
+            </a:pPr>
+            <a:r>
+              <a:rPr lang="en-IN" dirty="0" smtClean="0"/>
+              <a:t>Select </a:t>
+            </a:r>
+            <a:r>
+              <a:rPr lang="en-IN" smtClean="0"/>
+              <a:t>subset of features</a:t>
+            </a:r>
+            <a:endParaRPr lang="en-IN" dirty="0" smtClean="0"/>
+          </a:p>
+          <a:p>
+            <a:pPr marL="914400" lvl="1" indent="-514350"/>
+            <a:r>
+              <a:rPr lang="en-IN" dirty="0" smtClean="0"/>
+              <a:t>Bagging approach </a:t>
+            </a:r>
+          </a:p>
+          <a:p>
+            <a:pPr marL="514350" indent="-514350">
+              <a:buFont typeface="+mj-lt"/>
+              <a:buAutoNum type="arabicPeriod"/>
+            </a:pPr>
+            <a:r>
+              <a:rPr lang="en-IN" dirty="0" smtClean="0"/>
+              <a:t>Create</a:t>
+            </a:r>
+            <a:r>
+              <a:rPr lang="en-IN" dirty="0" smtClean="0"/>
+              <a:t> decision tree using selected features</a:t>
+            </a:r>
+          </a:p>
+          <a:p>
+            <a:pPr marL="514350" indent="-514350">
+              <a:buFont typeface="+mj-lt"/>
+              <a:buAutoNum type="arabicPeriod"/>
+            </a:pPr>
+            <a:r>
+              <a:rPr lang="en-IN" dirty="0" smtClean="0"/>
+              <a:t>Repeat </a:t>
+            </a:r>
+            <a:r>
+              <a:rPr lang="en-IN" dirty="0" smtClean="0"/>
+              <a:t>Steps </a:t>
+            </a:r>
+            <a:r>
+              <a:rPr lang="en-IN" dirty="0" smtClean="0"/>
+              <a:t>1 </a:t>
+            </a:r>
+            <a:r>
+              <a:rPr lang="en-IN" dirty="0" smtClean="0"/>
+              <a:t>to </a:t>
+            </a:r>
+            <a:r>
+              <a:rPr lang="en-IN" dirty="0" smtClean="0"/>
+              <a:t>3</a:t>
+            </a:r>
+            <a:endParaRPr lang="en-IN" dirty="0" smtClean="0"/>
+          </a:p>
+          <a:p>
+            <a:pPr marL="914400" lvl="1" indent="-514350"/>
+            <a:r>
+              <a:rPr lang="en-US" dirty="0" smtClean="0"/>
+              <a:t>Number of </a:t>
+            </a:r>
+            <a:r>
+              <a:rPr lang="en-IN" dirty="0" smtClean="0"/>
+              <a:t>decision </a:t>
+            </a:r>
+            <a:r>
+              <a:rPr lang="en-IN" dirty="0" smtClean="0"/>
+              <a:t>tree</a:t>
+            </a:r>
+            <a:r>
+              <a:rPr lang="en-US" dirty="0" smtClean="0"/>
+              <a:t>s</a:t>
+            </a:r>
+            <a:endParaRPr lang="en-US" dirty="0" smtClean="0"/>
+          </a:p>
+          <a:p>
+            <a:pPr marL="514350" indent="-514350">
+              <a:buNone/>
+            </a:pPr>
+            <a:endParaRPr lang="en-IN" dirty="0" smtClean="0"/>
+          </a:p>
+          <a:p>
+            <a:pPr marL="914400" lvl="1" indent="-514350"/>
+            <a:endParaRPr lang="en-IN" dirty="0" smtClean="0"/>
           </a:p>
         </p:txBody>
       </p:sp>
@@ -4568,47 +4713,101 @@
           <a:p>
             <a:r>
               <a:rPr lang="en-US" dirty="0" smtClean="0"/>
-              <a:t>Advantages</a:t>
+              <a:t>Random Forest</a:t>
             </a:r>
             <a:endParaRPr lang="en-US" dirty="0"/>
           </a:p>
         </p:txBody>
       </p:sp>
-      <p:sp>
-        <p:nvSpPr>
-          <p:cNvPr id="4" name="Content Placeholder 3"/>
-          <p:cNvSpPr>
-            <a:spLocks noGrp="1"/>
-          </p:cNvSpPr>
-          <p:nvPr>
-            <p:ph idx="1"/>
-          </p:nvPr>
-        </p:nvSpPr>
-        <p:spPr/>
-        <p:txBody>
-          <a:bodyPr/>
-          <a:lstStyle/>
-          <a:p>
-            <a:r>
-              <a:rPr lang="en-IN" dirty="0" smtClean="0"/>
-              <a:t>Less over-fitting by using multiple trees</a:t>
-            </a:r>
-          </a:p>
-          <a:p>
-            <a:r>
-              <a:rPr lang="en-IN" dirty="0" smtClean="0"/>
-              <a:t>More accurate as compared to single tree</a:t>
-            </a:r>
-            <a:endParaRPr lang="en-US" dirty="0" smtClean="0"/>
-          </a:p>
-          <a:p>
-            <a:endParaRPr lang="en-US" dirty="0" smtClean="0"/>
-          </a:p>
-          <a:p>
-            <a:endParaRPr lang="en-US" dirty="0" smtClean="0"/>
-          </a:p>
-          <a:p>
-            <a:endParaRPr lang="en-US" dirty="0"/>
+      <p:pic>
+        <p:nvPicPr>
+          <p:cNvPr id="6" name="Picture 5" descr="RandomForest.png"/>
+          <p:cNvPicPr>
+            <a:picLocks noChangeAspect="1"/>
+          </p:cNvPicPr>
+          <p:nvPr/>
+        </p:nvPicPr>
+        <p:blipFill>
+          <a:blip r:embed="rId2"/>
+          <a:stretch>
+            <a:fillRect/>
+          </a:stretch>
+        </p:blipFill>
+        <p:spPr>
+          <a:xfrm>
+            <a:off x="1714500" y="1828800"/>
+            <a:ext cx="5715000" cy="3810000"/>
+          </a:xfrm>
+          <a:prstGeom prst="rect">
+            <a:avLst/>
+          </a:prstGeom>
+        </p:spPr>
+      </p:pic>
+      <p:sp>
+        <p:nvSpPr>
+          <p:cNvPr id="7" name="Text Box 10"/>
+          <p:cNvSpPr txBox="1">
+            <a:spLocks noChangeArrowheads="1"/>
+          </p:cNvSpPr>
+          <p:nvPr/>
+        </p:nvSpPr>
+        <p:spPr bwMode="auto">
+          <a:xfrm rot="10800000" flipV="1">
+            <a:off x="0" y="6519446"/>
+            <a:ext cx="1828800" cy="338554"/>
+          </a:xfrm>
+          <a:prstGeom prst="rect">
+            <a:avLst/>
+          </a:prstGeom>
+          <a:noFill/>
+          <a:ln w="9525">
+            <a:noFill/>
+            <a:miter lim="800000"/>
+            <a:headEnd/>
+            <a:tailEnd/>
+          </a:ln>
+          <a:effectLst/>
+        </p:spPr>
+        <p:txBody>
+          <a:bodyPr wrap="square">
+            <a:spAutoFit/>
+          </a:bodyPr>
+          <a:lstStyle/>
+          <a:p>
+            <a:pPr>
+              <a:spcBef>
+                <a:spcPct val="50000"/>
+              </a:spcBef>
+            </a:pPr>
+            <a:r>
+              <a:rPr lang="en-US" sz="1600" b="1" dirty="0">
+                <a:solidFill>
+                  <a:srgbClr val="FF0000"/>
+                </a:solidFill>
+              </a:rPr>
+              <a:t>Image </a:t>
+            </a:r>
+            <a:r>
+              <a:rPr lang="en-US" sz="1600" b="1" dirty="0" err="1" smtClean="0">
+                <a:solidFill>
+                  <a:srgbClr val="FF0000"/>
+                </a:solidFill>
+              </a:rPr>
+              <a:t>ack</a:t>
+            </a:r>
+            <a:r>
+              <a:rPr lang="en-US" sz="1600" b="1" dirty="0" smtClean="0">
+                <a:solidFill>
+                  <a:srgbClr val="FF0000"/>
+                </a:solidFill>
+              </a:rPr>
+              <a:t> – Google</a:t>
+            </a:r>
+            <a:endParaRPr lang="en-US" sz="1600" b="1" dirty="0">
+              <a:solidFill>
+                <a:srgbClr val="FF0000"/>
+              </a:solidFill>
+            </a:endParaRPr>
           </a:p>
         </p:txBody>
       </p:sp>
@@ -4661,7 +4860,7 @@
           <a:p>
             <a:r>
               <a:rPr lang="en-US" dirty="0" smtClean="0"/>
-              <a:t>Disadvantages</a:t>
+              <a:t>Advantages</a:t>
             </a:r>
             <a:endParaRPr lang="en-US" dirty="0"/>
           </a:p>
@@ -4683,15 +4882,24 @@
           <a:lstStyle/>
           <a:p>
             <a:r>
-              <a:rPr lang="en-US" dirty="0" smtClean="0"/>
-              <a:t>Computationally expensive</a:t>
-            </a:r>
-          </a:p>
-          <a:p>
-            <a:r>
               <a:rPr lang="en-IN" dirty="0" smtClean="0"/>
-              <a:t>Less interpretable than decision tree</a:t>
-            </a:r>
+              <a:t>Less over-fitting by using multiple trees</a:t>
+            </a:r>
+          </a:p>
+          <a:p>
+            <a:r>
+              <a:rPr lang="en-IN" dirty="0" smtClean="0"/>
+              <a:t>More accurate as compared to single tree</a:t>
+            </a:r>
+            <a:endParaRPr lang="en-US" dirty="0" smtClean="0"/>
+          </a:p>
+          <a:p>
+            <a:endParaRPr lang="en-US" dirty="0" smtClean="0"/>
+          </a:p>
+          <a:p>
+            <a:endParaRPr lang="en-US" dirty="0" smtClean="0"/>
+          </a:p>
+          <a:p>
             <a:endParaRPr lang="en-US" dirty="0"/>
           </a:p>
         </p:txBody>
